--- a/presentation/Analysis.pptx
+++ b/presentation/Analysis.pptx
@@ -584,7 +584,7 @@
           <a:p>
             <a:fld id="{EA0C0817-A112-4847-8014-A94B7D2A4EA3}" type="datetime1">
               <a:rPr lang="en-US" smtClean="0"/>
-              <a:t>12/12/2021</a:t>
+              <a:t>12/13/2021</a:t>
             </a:fld>
             <a:endParaRPr lang="en-US" dirty="0"/>
           </a:p>
@@ -786,7 +786,7 @@
           <a:p>
             <a:fld id="{7332B432-ACDA-4023-A761-2BAB76577B62}" type="datetime1">
               <a:rPr lang="en-US" smtClean="0"/>
-              <a:t>12/12/2021</a:t>
+              <a:t>12/13/2021</a:t>
             </a:fld>
             <a:endParaRPr lang="en-US" dirty="0"/>
           </a:p>
@@ -1385,7 +1385,7 @@
           <a:p>
             <a:fld id="{D9C646AA-F36E-4540-911D-FFFC0A0EF24A}" type="datetime1">
               <a:rPr lang="en-US" smtClean="0"/>
-              <a:t>12/12/2021</a:t>
+              <a:t>12/13/2021</a:t>
             </a:fld>
             <a:endParaRPr lang="en-US" dirty="0"/>
           </a:p>
@@ -1705,7 +1705,7 @@
           <a:p>
             <a:fld id="{69186D26-FA5F-4637-B602-B7C2DC34CFD4}" type="datetime1">
               <a:rPr lang="en-US" smtClean="0"/>
-              <a:t>12/12/2021</a:t>
+              <a:t>12/13/2021</a:t>
             </a:fld>
             <a:endParaRPr lang="en-US" dirty="0"/>
           </a:p>
@@ -2142,7 +2142,7 @@
           <a:p>
             <a:fld id="{8A7F15D8-96D1-4781-BC50-CA8A088B2FE4}" type="datetime1">
               <a:rPr lang="en-US" smtClean="0"/>
-              <a:t>12/12/2021</a:t>
+              <a:t>12/13/2021</a:t>
             </a:fld>
             <a:endParaRPr lang="en-US" dirty="0"/>
           </a:p>
@@ -2260,7 +2260,7 @@
           <a:p>
             <a:fld id="{F9A96C99-B8F8-4528-BD05-0E16E943DC09}" type="datetime1">
               <a:rPr lang="en-US" smtClean="0"/>
-              <a:t>12/12/2021</a:t>
+              <a:t>12/13/2021</a:t>
             </a:fld>
             <a:endParaRPr lang="en-US" dirty="0"/>
           </a:p>
@@ -2355,7 +2355,7 @@
           <a:p>
             <a:fld id="{03636942-C211-4B28-8DBD-C953E00AF71B}" type="datetime1">
               <a:rPr lang="en-US" smtClean="0"/>
-              <a:t>12/12/2021</a:t>
+              <a:t>12/13/2021</a:t>
             </a:fld>
             <a:endParaRPr lang="en-US" dirty="0"/>
           </a:p>
@@ -2772,7 +2772,7 @@
           <a:p>
             <a:fld id="{7E8D12A6-918A-48BD-8CB9-CA713993B0EA}" type="datetime1">
               <a:rPr lang="en-US" smtClean="0"/>
-              <a:t>12/12/2021</a:t>
+              <a:t>12/13/2021</a:t>
             </a:fld>
             <a:endParaRPr lang="en-US" dirty="0"/>
           </a:p>
@@ -3034,7 +3034,7 @@
             <a:fld id="{E778CE86-875F-4587-BCF6-FA054AFC0D53}" type="datetime1">
               <a:rPr lang="en-US" smtClean="0"/>
               <a:pPr/>
-              <a:t>12/12/2021</a:t>
+              <a:t>12/13/2021</a:t>
             </a:fld>
             <a:endParaRPr lang="en-US" dirty="0"/>
           </a:p>
@@ -3550,7 +3550,7 @@
           <a:p>
             <a:fld id="{F6FA2B21-3FCD-4721-B95C-427943F61125}" type="datetime1">
               <a:rPr lang="en-US" smtClean="0"/>
-              <a:t>12/12/2021</a:t>
+              <a:t>12/13/2021</a:t>
             </a:fld>
             <a:endParaRPr lang="en-US" dirty="0"/>
           </a:p>
@@ -4488,7 +4488,7 @@
           <a:p>
             <a:r>
               <a:rPr lang="en-CA" dirty="0"/>
-              <a:t>As expected, random has the worst result, averaging at a 20% accuracy. Human gold standard falls just short of Word2Vec, </a:t>
+              <a:t>As expected, random has the worst result, averaging at a 25% accuracy. Human gold standard falls just short of Word2Vec, </a:t>
             </a:r>
             <a:r>
               <a:rPr lang="en-CA" dirty="0" err="1"/>
@@ -4589,6 +4589,9 @@
           <a:bodyPr/>
           <a:lstStyle/>
           <a:p>
+            <a:pPr marL="0" indent="0">
+              <a:buNone/>
+            </a:pPr>
             <a:r>
               <a:rPr lang="en-CA" dirty="0"/>
               <a:t>When Analyzing the accuracy of the models, </a:t>
@@ -4599,7 +4602,7 @@
             </a:r>
             <a:r>
               <a:rPr lang="en-CA" dirty="0"/>
-              <a:t> leads at 91%. </a:t>
+              <a:t> leads at 91%. This is possibly due to it having the largest vocabulary of the word embeddings, so one obvious way to improve it would be to expand the corpus by including a larger variety of documents and retrain it, so as to expand the vocabulary even further. Another way to improve the model would be to train it further, though that puts the model at risk of being overfitted.  </a:t>
             </a:r>
           </a:p>
         </p:txBody>
@@ -4894,24 +4897,6 @@
 </file>
 
 <file path=customXml/item1.xml><?xml version="1.0" encoding="utf-8"?>
-<p:properties xmlns:p="http://schemas.microsoft.com/office/2006/metadata/properties" xmlns:xsi="http://www.w3.org/2001/XMLSchema-instance" xmlns:pc="http://schemas.microsoft.com/office/infopath/2007/PartnerControls">
-  <documentManagement>
-    <Status xmlns="71af3243-3dd4-4a8d-8c0d-dd76da1f02a5">Not started</Status>
-    <MediaServiceKeyPoints xmlns="71af3243-3dd4-4a8d-8c0d-dd76da1f02a5" xsi:nil="true"/>
-  </documentManagement>
-</p:properties>
-</file>
-
-<file path=customXml/item2.xml><?xml version="1.0" encoding="utf-8"?>
-<?mso-contentType ?>
-<FormTemplates xmlns="http://schemas.microsoft.com/sharepoint/v3/contenttype/forms">
-  <Display>DocumentLibraryForm</Display>
-  <Edit>DocumentLibraryForm</Edit>
-  <New>DocumentLibraryForm</New>
-</FormTemplates>
-</file>
-
-<file path=customXml/item3.xml><?xml version="1.0" encoding="utf-8"?>
 <ct:contentTypeSchema xmlns:ct="http://schemas.microsoft.com/office/2006/metadata/contentType" xmlns:ma="http://schemas.microsoft.com/office/2006/metadata/properties/metaAttributes" ct:_="" ma:_="" ma:contentTypeName="Document" ma:contentTypeID="0x01010079F111ED35F8CC479449609E8A0923A6" ma:contentTypeVersion="12" ma:contentTypeDescription="Create a new document." ma:contentTypeScope="" ma:versionID="a410dd7f93c95333ffa1b60ed6adedd1">
   <xsd:schema xmlns:xsd="http://www.w3.org/2001/XMLSchema" xmlns:xs="http://www.w3.org/2001/XMLSchema" xmlns:p="http://schemas.microsoft.com/office/2006/metadata/properties" xmlns:ns2="71af3243-3dd4-4a8d-8c0d-dd76da1f02a5" xmlns:ns3="16c05727-aa75-4e4a-9b5f-8a80a1165891" targetNamespace="http://schemas.microsoft.com/office/2006/metadata/properties" ma:root="true" ma:fieldsID="a936d9baba76aa3866493feff160faab" ns2:_="" ns3:_="">
     <xsd:import namespace="71af3243-3dd4-4a8d-8c0d-dd76da1f02a5"/>
@@ -5132,25 +5117,25 @@
 </ct:contentTypeSchema>
 </file>
 
-<file path=customXml/itemProps1.xml><?xml version="1.0" encoding="utf-8"?>
-<ds:datastoreItem xmlns:ds="http://schemas.openxmlformats.org/officeDocument/2006/customXml" ds:itemID="{137651BA-F45C-4845-9AB3-E0A65B39F5E1}">
-  <ds:schemaRefs>
-    <ds:schemaRef ds:uri="http://schemas.microsoft.com/office/2006/metadata/properties"/>
-    <ds:schemaRef ds:uri="http://schemas.microsoft.com/office/infopath/2007/PartnerControls"/>
-    <ds:schemaRef ds:uri="71af3243-3dd4-4a8d-8c0d-dd76da1f02a5"/>
-  </ds:schemaRefs>
-</ds:datastoreItem>
+<file path=customXml/item2.xml><?xml version="1.0" encoding="utf-8"?>
+<?mso-contentType ?>
+<FormTemplates xmlns="http://schemas.microsoft.com/sharepoint/v3/contenttype/forms">
+  <Display>DocumentLibraryForm</Display>
+  <Edit>DocumentLibraryForm</Edit>
+  <New>DocumentLibraryForm</New>
+</FormTemplates>
 </file>
 
-<file path=customXml/itemProps2.xml><?xml version="1.0" encoding="utf-8"?>
-<ds:datastoreItem xmlns:ds="http://schemas.openxmlformats.org/officeDocument/2006/customXml" ds:itemID="{CDB58277-F8DF-46FF-84EC-EF41B835E69F}">
-  <ds:schemaRefs>
-    <ds:schemaRef ds:uri="http://schemas.microsoft.com/sharepoint/v3/contenttype/forms"/>
-  </ds:schemaRefs>
-</ds:datastoreItem>
+<file path=customXml/item3.xml><?xml version="1.0" encoding="utf-8"?>
+<p:properties xmlns:p="http://schemas.microsoft.com/office/2006/metadata/properties" xmlns:xsi="http://www.w3.org/2001/XMLSchema-instance" xmlns:pc="http://schemas.microsoft.com/office/infopath/2007/PartnerControls">
+  <documentManagement>
+    <Status xmlns="71af3243-3dd4-4a8d-8c0d-dd76da1f02a5">Not started</Status>
+    <MediaServiceKeyPoints xmlns="71af3243-3dd4-4a8d-8c0d-dd76da1f02a5" xsi:nil="true"/>
+  </documentManagement>
+</p:properties>
 </file>
 
-<file path=customXml/itemProps3.xml><?xml version="1.0" encoding="utf-8"?>
+<file path=customXml/itemProps1.xml><?xml version="1.0" encoding="utf-8"?>
 <ds:datastoreItem xmlns:ds="http://schemas.openxmlformats.org/officeDocument/2006/customXml" ds:itemID="{2D276E62-80A3-44DD-9BCC-97ED2B99B57F}">
   <ds:schemaRefs>
     <ds:schemaRef ds:uri="http://schemas.microsoft.com/office/2006/metadata/contentType"/>
@@ -5167,4 +5152,22 @@
     <ds:schemaRef ds:uri="http://schemas.microsoft.com/internal/obd"/>
   </ds:schemaRefs>
 </ds:datastoreItem>
+</file>
+
+<file path=customXml/itemProps2.xml><?xml version="1.0" encoding="utf-8"?>
+<ds:datastoreItem xmlns:ds="http://schemas.openxmlformats.org/officeDocument/2006/customXml" ds:itemID="{CDB58277-F8DF-46FF-84EC-EF41B835E69F}">
+  <ds:schemaRefs>
+    <ds:schemaRef ds:uri="http://schemas.microsoft.com/sharepoint/v3/contenttype/forms"/>
+  </ds:schemaRefs>
+</ds:datastoreItem>
+</file>
+
+<file path=customXml/itemProps3.xml><?xml version="1.0" encoding="utf-8"?>
+<ds:datastoreItem xmlns:ds="http://schemas.openxmlformats.org/officeDocument/2006/customXml" ds:itemID="{137651BA-F45C-4845-9AB3-E0A65B39F5E1}">
+  <ds:schemaRefs>
+    <ds:schemaRef ds:uri="http://schemas.microsoft.com/office/2006/metadata/properties"/>
+    <ds:schemaRef ds:uri="http://schemas.microsoft.com/office/infopath/2007/PartnerControls"/>
+    <ds:schemaRef ds:uri="71af3243-3dd4-4a8d-8c0d-dd76da1f02a5"/>
+  </ds:schemaRefs>
+</ds:datastoreItem>
 </file>